--- a/5-JavaScript/JavaScript.pptx
+++ b/5-JavaScript/JavaScript.pptx
@@ -8,7 +8,7 @@
     <p:sldMasterId id="2147483702" r:id="rId4"/>
   </p:sldMasterIdLst>
   <p:notesMasterIdLst>
-    <p:notesMasterId r:id="rId14"/>
+    <p:notesMasterId r:id="rId15"/>
   </p:notesMasterIdLst>
   <p:sldIdLst>
     <p:sldId id="256" r:id="rId5"/>
@@ -20,6 +20,7 @@
     <p:sldId id="262" r:id="rId11"/>
     <p:sldId id="263" r:id="rId12"/>
     <p:sldId id="264" r:id="rId13"/>
+    <p:sldId id="265" r:id="rId14"/>
   </p:sldIdLst>
   <p:sldSz cx="9144000" cy="6858000" type="screen4x3"/>
   <p:notesSz cx="6858000" cy="9144000"/>
@@ -203,7 +204,7 @@
           <a:p>
             <a:fld id="{D1EA0DBE-4458-7349-8DB4-B45B1B6487F3}" type="datetimeFigureOut">
               <a:rPr lang="en-US" smtClean="0"/>
-              <a:t>1/3/12</a:t>
+              <a:t>1/10/12</a:t>
             </a:fld>
             <a:endParaRPr lang="en-US"/>
           </a:p>
@@ -11152,6 +11153,153 @@
     <p:extLst>
       <p:ext uri="{BB962C8B-B14F-4D97-AF65-F5344CB8AC3E}">
         <p14:creationId xmlns:p14="http://schemas.microsoft.com/office/powerpoint/2010/main" val="1688940327"/>
+      </p:ext>
+    </p:extLst>
+  </p:cSld>
+  <p:clrMapOvr>
+    <a:masterClrMapping/>
+  </p:clrMapOvr>
+  <p:transition xmlns:p14="http://schemas.microsoft.com/office/powerpoint/2010/main">
+    <p:fade/>
+  </p:transition>
+</p:sld>
+</file>
+
+<file path=ppt/slides/slide10.xml><?xml version="1.0" encoding="utf-8"?>
+<p:sld xmlns:a="http://schemas.openxmlformats.org/drawingml/2006/main" xmlns:r="http://schemas.openxmlformats.org/officeDocument/2006/relationships" xmlns:p="http://schemas.openxmlformats.org/presentationml/2006/main">
+  <p:cSld>
+    <p:spTree>
+      <p:nvGrpSpPr>
+        <p:cNvPr id="1" name=""/>
+        <p:cNvGrpSpPr/>
+        <p:nvPr/>
+      </p:nvGrpSpPr>
+      <p:grpSpPr>
+        <a:xfrm>
+          <a:off x="0" y="0"/>
+          <a:ext cx="0" cy="0"/>
+          <a:chOff x="0" y="0"/>
+          <a:chExt cx="0" cy="0"/>
+        </a:xfrm>
+      </p:grpSpPr>
+      <p:sp>
+        <p:nvSpPr>
+          <p:cNvPr id="2" name="Title 1"/>
+          <p:cNvSpPr>
+            <a:spLocks noGrp="1"/>
+          </p:cNvSpPr>
+          <p:nvPr>
+            <p:ph type="title"/>
+          </p:nvPr>
+        </p:nvSpPr>
+        <p:spPr/>
+        <p:txBody>
+          <a:bodyPr/>
+          <a:lstStyle/>
+          <a:p>
+            <a:endParaRPr lang="en-US"/>
+          </a:p>
+        </p:txBody>
+      </p:sp>
+      <p:sp>
+        <p:nvSpPr>
+          <p:cNvPr id="3" name="Text Placeholder 2"/>
+          <p:cNvSpPr>
+            <a:spLocks noGrp="1"/>
+          </p:cNvSpPr>
+          <p:nvPr>
+            <p:ph type="body" sz="quarter" idx="10"/>
+          </p:nvPr>
+        </p:nvSpPr>
+        <p:spPr>
+          <a:xfrm>
+            <a:off x="389438" y="1905003"/>
+            <a:ext cx="8363937" cy="282129"/>
+          </a:xfrm>
+        </p:spPr>
+        <p:txBody>
+          <a:bodyPr/>
+          <a:lstStyle/>
+          <a:p>
+            <a:r>
+              <a:rPr lang="en-US" sz="2000" dirty="0">
+                <a:solidFill>
+                  <a:srgbClr val="000000"/>
+                </a:solidFill>
+              </a:rPr>
+              <a:t>http://</a:t>
+            </a:r>
+            <a:r>
+              <a:rPr lang="en-US" sz="2000" dirty="0" err="1">
+                <a:solidFill>
+                  <a:srgbClr val="000000"/>
+                </a:solidFill>
+              </a:rPr>
+              <a:t>ie.microsoft.com</a:t>
+            </a:r>
+            <a:r>
+              <a:rPr lang="en-US" sz="2000" dirty="0">
+                <a:solidFill>
+                  <a:srgbClr val="000000"/>
+                </a:solidFill>
+              </a:rPr>
+              <a:t>/</a:t>
+            </a:r>
+            <a:r>
+              <a:rPr lang="en-US" sz="2000" dirty="0" err="1">
+                <a:solidFill>
+                  <a:srgbClr val="000000"/>
+                </a:solidFill>
+              </a:rPr>
+              <a:t>testdrive</a:t>
+            </a:r>
+            <a:r>
+              <a:rPr lang="en-US" sz="2000" dirty="0">
+                <a:solidFill>
+                  <a:srgbClr val="000000"/>
+                </a:solidFill>
+              </a:rPr>
+              <a:t>/HTML5/</a:t>
+            </a:r>
+            <a:r>
+              <a:rPr lang="en-US" sz="2000" dirty="0" err="1">
+                <a:solidFill>
+                  <a:srgbClr val="000000"/>
+                </a:solidFill>
+              </a:rPr>
+              <a:t>TryStrict</a:t>
+            </a:r>
+            <a:r>
+              <a:rPr lang="en-US" sz="2000" dirty="0">
+                <a:solidFill>
+                  <a:srgbClr val="000000"/>
+                </a:solidFill>
+              </a:rPr>
+              <a:t>/</a:t>
+            </a:r>
+            <a:r>
+              <a:rPr lang="en-US" sz="2000" dirty="0" err="1">
+                <a:solidFill>
+                  <a:srgbClr val="000000"/>
+                </a:solidFill>
+              </a:rPr>
+              <a:t>Default.html</a:t>
+            </a:r>
+            <a:r>
+              <a:rPr lang="en-US" sz="2000" dirty="0">
+                <a:solidFill>
+                  <a:srgbClr val="000000"/>
+                </a:solidFill>
+              </a:rPr>
+              <a:t>#</a:t>
+            </a:r>
+          </a:p>
+        </p:txBody>
+      </p:sp>
+    </p:spTree>
+    <p:extLst>
+      <p:ext uri="{BB962C8B-B14F-4D97-AF65-F5344CB8AC3E}">
+        <p14:creationId xmlns:p14="http://schemas.microsoft.com/office/powerpoint/2010/main" val="1185492750"/>
       </p:ext>
     </p:extLst>
   </p:cSld>
